--- a/translations/en-us/wro/ColorSensorComparison.pptx
+++ b/translations/en-us/wro/ColorSensorComparison.pptx
@@ -221,7 +221,7 @@
           <a:p>
             <a:fld id="{E354B44E-40A3-0E46-B16A-9BF1250A248B}" type="datetimeFigureOut">
               <a:rPr lang="en-US" smtClean="0"/>
-              <a:t>2/26/17</a:t>
+              <a:t>3/4/17</a:t>
             </a:fld>
             <a:endParaRPr lang="en-US"/>
           </a:p>
@@ -387,7 +387,7 @@
           <a:p>
             <a:fld id="{C86AD16C-2DB4-6642-BAD4-9ED973A087A0}" type="datetimeFigureOut">
               <a:rPr lang="en-US" smtClean="0"/>
-              <a:t>2/26/17</a:t>
+              <a:t>3/4/17</a:t>
             </a:fld>
             <a:endParaRPr lang="en-US"/>
           </a:p>
@@ -720,6 +720,90 @@
           <a:p>
             <a:fld id="{1E5BF589-3978-3C45-966B-D7B7A71F2A02}" type="slidenum">
               <a:rPr lang="en-US" smtClean="0"/>
+              <a:t>9</a:t>
+            </a:fld>
+            <a:endParaRPr lang="en-US"/>
+          </a:p>
+        </p:txBody>
+      </p:sp>
+    </p:spTree>
+    <p:extLst>
+      <p:ext uri="{BB962C8B-B14F-4D97-AF65-F5344CB8AC3E}">
+        <p14:creationId xmlns:p14="http://schemas.microsoft.com/office/powerpoint/2010/main" val="1063434581"/>
+      </p:ext>
+    </p:extLst>
+  </p:cSld>
+  <p:clrMapOvr>
+    <a:masterClrMapping/>
+  </p:clrMapOvr>
+</p:notes>
+</file>
+
+<file path=ppt/notesSlides/notesSlide2.xml><?xml version="1.0" encoding="utf-8"?>
+<p:notes xmlns:a="http://schemas.openxmlformats.org/drawingml/2006/main" xmlns:r="http://schemas.openxmlformats.org/officeDocument/2006/relationships" xmlns:p="http://schemas.openxmlformats.org/presentationml/2006/main">
+  <p:cSld>
+    <p:spTree>
+      <p:nvGrpSpPr>
+        <p:cNvPr id="1" name=""/>
+        <p:cNvGrpSpPr/>
+        <p:nvPr/>
+      </p:nvGrpSpPr>
+      <p:grpSpPr>
+        <a:xfrm>
+          <a:off x="0" y="0"/>
+          <a:ext cx="0" cy="0"/>
+          <a:chOff x="0" y="0"/>
+          <a:chExt cx="0" cy="0"/>
+        </a:xfrm>
+      </p:grpSpPr>
+      <p:sp>
+        <p:nvSpPr>
+          <p:cNvPr id="2" name="Slide Image Placeholder 1"/>
+          <p:cNvSpPr>
+            <a:spLocks noGrp="1" noRot="1" noChangeAspect="1"/>
+          </p:cNvSpPr>
+          <p:nvPr>
+            <p:ph type="sldImg"/>
+          </p:nvPr>
+        </p:nvSpPr>
+        <p:spPr/>
+      </p:sp>
+      <p:sp>
+        <p:nvSpPr>
+          <p:cNvPr id="3" name="Notes Placeholder 2"/>
+          <p:cNvSpPr>
+            <a:spLocks noGrp="1"/>
+          </p:cNvSpPr>
+          <p:nvPr>
+            <p:ph type="body" idx="1"/>
+          </p:nvPr>
+        </p:nvSpPr>
+        <p:spPr/>
+        <p:txBody>
+          <a:bodyPr/>
+          <a:lstStyle/>
+          <a:p>
+            <a:endParaRPr lang="en-US"/>
+          </a:p>
+        </p:txBody>
+      </p:sp>
+      <p:sp>
+        <p:nvSpPr>
+          <p:cNvPr id="4" name="Slide Number Placeholder 3"/>
+          <p:cNvSpPr>
+            <a:spLocks noGrp="1"/>
+          </p:cNvSpPr>
+          <p:nvPr>
+            <p:ph type="sldNum" sz="quarter" idx="10"/>
+          </p:nvPr>
+        </p:nvSpPr>
+        <p:spPr/>
+        <p:txBody>
+          <a:bodyPr/>
+          <a:lstStyle/>
+          <a:p>
+            <a:fld id="{1E5BF589-3978-3C45-966B-D7B7A71F2A02}" type="slidenum">
+              <a:rPr lang="en-US" smtClean="0"/>
               <a:t>11</a:t>
             </a:fld>
             <a:endParaRPr lang="en-US"/>
@@ -1005,9 +1089,9 @@
           <a:bodyPr/>
           <a:lstStyle/>
           <a:p>
-            <a:fld id="{EA1ECE0B-6ABC-9D4A-9944-BE4084483D31}" type="datetime1">
+            <a:fld id="{58D40FB8-B8D8-1F4E-8861-D84753FE4A86}" type="datetime1">
               <a:rPr lang="en-US" smtClean="0"/>
-              <a:t>2/26/17</a:t>
+              <a:t>3/4/17</a:t>
             </a:fld>
             <a:endParaRPr lang="en-US"/>
           </a:p>
@@ -1034,8 +1118,8 @@
           <a:lstStyle/>
           <a:p>
             <a:r>
-              <a:rPr lang="sk-SK"/>
-              <a:t>© 2016 EV3Lessons.com, Last Edit 7/04/2016</a:t>
+              <a:rPr lang="sk-SK" smtClean="0"/>
+              <a:t>© 2017 EV3Lessons.com, Last Edit 4/04/2017</a:t>
             </a:r>
             <a:endParaRPr lang="en-US"/>
           </a:p>
@@ -1272,9 +1356,9 @@
           <a:bodyPr/>
           <a:lstStyle/>
           <a:p>
-            <a:fld id="{F50FABB1-8177-344A-9D50-C38771FF47C7}" type="datetime1">
+            <a:fld id="{C0974E48-91B0-6B4A-8444-F2FDFBAE5990}" type="datetime1">
               <a:rPr lang="en-US" smtClean="0"/>
-              <a:t>2/26/17</a:t>
+              <a:t>3/4/17</a:t>
             </a:fld>
             <a:endParaRPr lang="en-US"/>
           </a:p>
@@ -1296,8 +1380,8 @@
           <a:lstStyle/>
           <a:p>
             <a:r>
-              <a:rPr lang="sk-SK"/>
-              <a:t>© 2016 EV3Lessons.com, Last Edit 7/04/2016</a:t>
+              <a:rPr lang="sk-SK" smtClean="0"/>
+              <a:t>© 2017 EV3Lessons.com, Last Edit 4/04/2017</a:t>
             </a:r>
             <a:endParaRPr lang="en-US"/>
           </a:p>
@@ -1456,9 +1540,9 @@
           <a:bodyPr/>
           <a:lstStyle/>
           <a:p>
-            <a:fld id="{64568BC6-E711-6D40-AB8F-60352FB91331}" type="datetime1">
+            <a:fld id="{204DAA48-CB24-E64F-848D-A1D113AAAF21}" type="datetime1">
               <a:rPr lang="en-US" smtClean="0"/>
-              <a:t>2/26/17</a:t>
+              <a:t>3/4/17</a:t>
             </a:fld>
             <a:endParaRPr lang="en-US"/>
           </a:p>
@@ -1480,8 +1564,8 @@
           <a:lstStyle/>
           <a:p>
             <a:r>
-              <a:rPr lang="sk-SK"/>
-              <a:t>© 2016 EV3Lessons.com, Last Edit 7/04/2016</a:t>
+              <a:rPr lang="sk-SK" smtClean="0"/>
+              <a:t>© 2017 EV3Lessons.com, Last Edit 4/04/2017</a:t>
             </a:r>
             <a:endParaRPr lang="en-US"/>
           </a:p>
@@ -1626,9 +1710,9 @@
           <a:bodyPr/>
           <a:lstStyle/>
           <a:p>
-            <a:fld id="{50808BD0-9C32-4C4B-B66B-306A9F13CF20}" type="datetime1">
+            <a:fld id="{F148AE95-B0D4-8C43-A0BD-280497894608}" type="datetime1">
               <a:rPr lang="en-US" smtClean="0"/>
-              <a:t>2/26/17</a:t>
+              <a:t>3/4/17</a:t>
             </a:fld>
             <a:endParaRPr lang="en-US"/>
           </a:p>
@@ -1650,8 +1734,8 @@
           <a:lstStyle/>
           <a:p>
             <a:r>
-              <a:rPr lang="sk-SK"/>
-              <a:t>© 2016 EV3Lessons.com, Last Edit 7/04/2016</a:t>
+              <a:rPr lang="sk-SK" smtClean="0"/>
+              <a:t>© 2017 EV3Lessons.com, Last Edit 4/04/2017</a:t>
             </a:r>
             <a:endParaRPr lang="en-US"/>
           </a:p>
@@ -1959,9 +2043,9 @@
             </a:lvl1pPr>
           </a:lstStyle>
           <a:p>
-            <a:fld id="{B81C913E-2851-A740-B3FD-F42F7400D340}" type="datetime1">
+            <a:fld id="{6D427F93-6E45-C240-BB01-2E8BA11545D6}" type="datetime1">
               <a:rPr lang="en-US" smtClean="0"/>
-              <a:t>2/26/17</a:t>
+              <a:t>3/4/17</a:t>
             </a:fld>
             <a:endParaRPr lang="en-US"/>
           </a:p>
@@ -1998,8 +2082,8 @@
           </a:lstStyle>
           <a:p>
             <a:r>
-              <a:rPr lang="sk-SK"/>
-              <a:t>© 2016 EV3Lessons.com, Last Edit 7/04/2016</a:t>
+              <a:rPr lang="sk-SK" smtClean="0"/>
+              <a:t>© 2017 EV3Lessons.com, Last Edit 4/04/2017</a:t>
             </a:r>
             <a:endParaRPr lang="en-US"/>
           </a:p>
@@ -2431,9 +2515,9 @@
           <a:bodyPr/>
           <a:lstStyle/>
           <a:p>
-            <a:fld id="{53138FCE-A927-3844-9E3B-6083AB9AF783}" type="datetime1">
+            <a:fld id="{3CABE53D-E52E-B542-A6D9-D8609D5B38DB}" type="datetime1">
               <a:rPr lang="en-US" smtClean="0"/>
-              <a:t>2/26/17</a:t>
+              <a:t>3/4/17</a:t>
             </a:fld>
             <a:endParaRPr lang="en-US"/>
           </a:p>
@@ -2455,8 +2539,8 @@
           <a:lstStyle/>
           <a:p>
             <a:r>
-              <a:rPr lang="sk-SK"/>
-              <a:t>© 2016 EV3Lessons.com, Last Edit 7/04/2016</a:t>
+              <a:rPr lang="sk-SK" smtClean="0"/>
+              <a:t>© 2017 EV3Lessons.com, Last Edit 4/04/2017</a:t>
             </a:r>
             <a:endParaRPr lang="en-US"/>
           </a:p>
@@ -2842,9 +2926,9 @@
           <a:bodyPr/>
           <a:lstStyle/>
           <a:p>
-            <a:fld id="{589B6342-05E0-2B4D-B337-0AEB5C7EAB24}" type="datetime1">
+            <a:fld id="{52098D6D-B077-3548-B485-DDBC59FEFD53}" type="datetime1">
               <a:rPr lang="en-US" smtClean="0"/>
-              <a:t>2/26/17</a:t>
+              <a:t>3/4/17</a:t>
             </a:fld>
             <a:endParaRPr lang="en-US"/>
           </a:p>
@@ -2866,8 +2950,8 @@
           <a:lstStyle/>
           <a:p>
             <a:r>
-              <a:rPr lang="sk-SK"/>
-              <a:t>© 2016 EV3Lessons.com, Last Edit 7/04/2016</a:t>
+              <a:rPr lang="sk-SK" smtClean="0"/>
+              <a:t>© 2017 EV3Lessons.com, Last Edit 4/04/2017</a:t>
             </a:r>
             <a:endParaRPr lang="en-US"/>
           </a:p>
@@ -2970,9 +3054,9 @@
             </a:lvl1pPr>
           </a:lstStyle>
           <a:p>
-            <a:fld id="{3737DE53-9418-984B-93FC-8DAE115B31D6}" type="datetime1">
+            <a:fld id="{50F9846C-C1A8-B94A-B7A0-AB1E862A98F5}" type="datetime1">
               <a:rPr lang="en-US" smtClean="0"/>
-              <a:t>2/26/17</a:t>
+              <a:t>3/4/17</a:t>
             </a:fld>
             <a:endParaRPr lang="en-US"/>
           </a:p>
@@ -3004,8 +3088,8 @@
           </a:lstStyle>
           <a:p>
             <a:r>
-              <a:rPr lang="sk-SK"/>
-              <a:t>© 2016 EV3Lessons.com, Last Edit 7/04/2016</a:t>
+              <a:rPr lang="sk-SK" smtClean="0"/>
+              <a:t>© 2017 EV3Lessons.com, Last Edit 4/04/2017</a:t>
             </a:r>
             <a:endParaRPr lang="en-US"/>
           </a:p>
@@ -3097,9 +3181,9 @@
           <a:bodyPr/>
           <a:lstStyle/>
           <a:p>
-            <a:fld id="{94564570-A037-2046-98C9-DB89177DA9ED}" type="datetime1">
+            <a:fld id="{54A781BA-1E11-1E42-8339-62CF020324EE}" type="datetime1">
               <a:rPr lang="en-US" smtClean="0"/>
-              <a:t>2/26/17</a:t>
+              <a:t>3/4/17</a:t>
             </a:fld>
             <a:endParaRPr lang="en-US"/>
           </a:p>
@@ -3121,8 +3205,8 @@
           <a:lstStyle/>
           <a:p>
             <a:r>
-              <a:rPr lang="sk-SK"/>
-              <a:t>© 2016 EV3Lessons.com, Last Edit 7/04/2016</a:t>
+              <a:rPr lang="sk-SK" smtClean="0"/>
+              <a:t>© 2017 EV3Lessons.com, Last Edit 4/04/2017</a:t>
             </a:r>
             <a:endParaRPr lang="en-US"/>
           </a:p>
@@ -3620,9 +3704,9 @@
           <a:bodyPr/>
           <a:lstStyle/>
           <a:p>
-            <a:fld id="{F63AA431-089C-8B4C-A74D-9FDFCF7A4A50}" type="datetime1">
+            <a:fld id="{8F8B53A4-1489-D047-B87A-354303E0181E}" type="datetime1">
               <a:rPr lang="en-US" smtClean="0"/>
-              <a:t>2/26/17</a:t>
+              <a:t>3/4/17</a:t>
             </a:fld>
             <a:endParaRPr lang="en-US"/>
           </a:p>
@@ -3644,8 +3728,8 @@
           <a:lstStyle/>
           <a:p>
             <a:r>
-              <a:rPr lang="sk-SK"/>
-              <a:t>© 2016 EV3Lessons.com, Last Edit 7/04/2016</a:t>
+              <a:rPr lang="sk-SK" smtClean="0"/>
+              <a:t>© 2017 EV3Lessons.com, Last Edit 4/04/2017</a:t>
             </a:r>
             <a:endParaRPr lang="en-US"/>
           </a:p>
@@ -4129,9 +4213,9 @@
           <a:bodyPr/>
           <a:lstStyle/>
           <a:p>
-            <a:fld id="{ADA3F11B-1739-D449-BD5E-3D05E6951917}" type="datetime1">
+            <a:fld id="{91B323B0-9EBE-9149-A474-8C448F38366D}" type="datetime1">
               <a:rPr lang="en-US" smtClean="0"/>
-              <a:t>2/26/17</a:t>
+              <a:t>3/4/17</a:t>
             </a:fld>
             <a:endParaRPr lang="en-US"/>
           </a:p>
@@ -4484,9 +4568,9 @@
             </a:lvl1pPr>
           </a:lstStyle>
           <a:p>
-            <a:fld id="{63D44B9E-AC04-6549-B7EE-7B0A41CF751B}" type="datetime1">
+            <a:fld id="{94ABE485-BE15-EF44-83EB-C74E1DF66D7B}" type="datetime1">
               <a:rPr lang="en-US" smtClean="0"/>
-              <a:t>2/26/17</a:t>
+              <a:t>3/4/17</a:t>
             </a:fld>
             <a:endParaRPr lang="en-US"/>
           </a:p>
@@ -4526,8 +4610,8 @@
           </a:lstStyle>
           <a:p>
             <a:r>
-              <a:rPr lang="sk-SK"/>
-              <a:t>© 2016 EV3Lessons.com, Last Edit 7/04/2016</a:t>
+              <a:rPr lang="sk-SK" smtClean="0"/>
+              <a:t>© 2017 EV3Lessons.com, Last Edit 4/04/2017</a:t>
             </a:r>
             <a:endParaRPr lang="en-US"/>
           </a:p>
@@ -5228,8 +5312,8 @@
           <a:lstStyle/>
           <a:p>
             <a:r>
-              <a:rPr lang="sk-SK"/>
-              <a:t>© 2016 EV3Lessons.com, Last Edit 7/04/2016</a:t>
+              <a:rPr lang="sk-SK" smtClean="0"/>
+              <a:t>© 2017 EV3Lessons.com, Last Edit 4/04/2017</a:t>
             </a:r>
             <a:endParaRPr lang="en-US"/>
           </a:p>
@@ -5423,8 +5507,8 @@
           <a:lstStyle/>
           <a:p>
             <a:r>
-              <a:rPr lang="sk-SK"/>
-              <a:t>© 2016 EV3Lessons.com, Last Edit 7/04/2016</a:t>
+              <a:rPr lang="sk-SK" smtClean="0"/>
+              <a:t>© 2017 EV3Lessons.com, Last Edit 4/04/2017</a:t>
             </a:r>
             <a:endParaRPr lang="en-US"/>
           </a:p>
@@ -5479,7 +5563,7 @@
           <a:effectLst/>
           <a:extLst>
             <a:ext uri="{91240B29-F687-4f45-9708-019B960494DF}">
-              <a14:hiddenLine xmlns:a14="http://schemas.microsoft.com/office/drawing/2010/main" xmlns="" w="9525">
+              <a14:hiddenLine xmlns="" xmlns:a14="http://schemas.microsoft.com/office/drawing/2010/main" w="9525">
                 <a:solidFill>
                   <a:schemeClr val="tx1"/>
                 </a:solidFill>
@@ -5489,7 +5573,7 @@
               </a14:hiddenLine>
             </a:ext>
             <a:ext uri="{AF507438-7753-43e0-B8FC-AC1667EBCBE1}">
-              <a14:hiddenEffects xmlns:a14="http://schemas.microsoft.com/office/drawing/2010/main" xmlns="">
+              <a14:hiddenEffects xmlns="" xmlns:a14="http://schemas.microsoft.com/office/drawing/2010/main">
                 <a:effectLst>
                   <a:outerShdw dist="35921" dir="2700000" algn="ctr" rotWithShape="0">
                     <a:schemeClr val="bg2"/>
@@ -5842,7 +5926,7 @@
           <a:noFill/>
           <a:extLst>
             <a:ext uri="{909E8E84-426E-40dd-AFC4-6F175D3DCCD1}">
-              <a14:hiddenFill xmlns:a14="http://schemas.microsoft.com/office/drawing/2010/main" xmlns="">
+              <a14:hiddenFill xmlns="" xmlns:a14="http://schemas.microsoft.com/office/drawing/2010/main">
                 <a:solidFill>
                   <a:srgbClr val="FFFFFF"/>
                 </a:solidFill>
@@ -5949,8 +6033,8 @@
           <a:lstStyle/>
           <a:p>
             <a:r>
-              <a:rPr lang="sk-SK"/>
-              <a:t>© 2016 EV3Lessons.com, Last Edit 7/04/2016</a:t>
+              <a:rPr lang="sk-SK" smtClean="0"/>
+              <a:t>© 2017 EV3Lessons.com, Last Edit 4/04/2017</a:t>
             </a:r>
             <a:endParaRPr lang="en-US"/>
           </a:p>
@@ -6163,8 +6247,8 @@
           <a:lstStyle/>
           <a:p>
             <a:r>
-              <a:rPr lang="sk-SK" dirty="0"/>
-              <a:t>© 2016 EV3Lessons.com, Last Edit 7/04/2016</a:t>
+              <a:rPr lang="sk-SK" smtClean="0"/>
+              <a:t>© 2017 EV3Lessons.com, Last Edit 4/04/2017</a:t>
             </a:r>
             <a:endParaRPr lang="en-US" dirty="0"/>
           </a:p>
@@ -6497,8 +6581,8 @@
           <a:lstStyle/>
           <a:p>
             <a:r>
-              <a:rPr lang="sk-SK" dirty="0"/>
-              <a:t>© 2016 EV3Lessons.com, Last Edit 7/04/2016</a:t>
+              <a:rPr lang="sk-SK" smtClean="0"/>
+              <a:t>© 2017 EV3Lessons.com, Last Edit 4/04/2017</a:t>
             </a:r>
             <a:endParaRPr lang="en-US" dirty="0"/>
           </a:p>
@@ -6739,8 +6823,8 @@
           <a:lstStyle/>
           <a:p>
             <a:r>
-              <a:rPr lang="sk-SK"/>
-              <a:t>© 2016 EV3Lessons.com, Last Edit 7/04/2016</a:t>
+              <a:rPr lang="sk-SK" smtClean="0"/>
+              <a:t>© 2017 EV3Lessons.com, Last Edit 4/04/2017</a:t>
             </a:r>
             <a:endParaRPr lang="en-US"/>
           </a:p>
@@ -7042,8 +7126,8 @@
           <a:lstStyle/>
           <a:p>
             <a:r>
-              <a:rPr lang="sk-SK"/>
-              <a:t>© 2016 EV3Lessons.com, Last Edit 7/04/2016</a:t>
+              <a:rPr lang="sk-SK" smtClean="0"/>
+              <a:t>© 2017 EV3Lessons.com, Last Edit 4/04/2017</a:t>
             </a:r>
             <a:endParaRPr lang="en-US"/>
           </a:p>
@@ -7364,8 +7448,8 @@
           <a:lstStyle/>
           <a:p>
             <a:r>
-              <a:rPr lang="sk-SK"/>
-              <a:t>© 2016 EV3Lessons.com, Last Edit 7/04/2016</a:t>
+              <a:rPr lang="sk-SK" smtClean="0"/>
+              <a:t>© 2017 EV3Lessons.com, Last Edit 4/04/2017</a:t>
             </a:r>
             <a:endParaRPr lang="en-US"/>
           </a:p>
@@ -7675,8 +7759,8 @@
           <a:lstStyle/>
           <a:p>
             <a:r>
-              <a:rPr lang="sk-SK" dirty="0"/>
-              <a:t>© 2016 EV3Lessons.com, Last Edit 7/04/2016</a:t>
+              <a:rPr lang="sk-SK" smtClean="0"/>
+              <a:t>© 2017 EV3Lessons.com, Last Edit 4/04/2017</a:t>
             </a:r>
             <a:endParaRPr lang="en-US" dirty="0"/>
           </a:p>
@@ -7714,7 +7798,7 @@
           <p:nvPr>
             <p:extLst>
               <p:ext uri="{D42A27DB-BD31-4B8C-83A1-F6EECF244321}">
-                <p14:modId xmlns:p14="http://schemas.microsoft.com/office/powerpoint/2010/main" val="4239431512"/>
+                <p14:modId xmlns:p14="http://schemas.microsoft.com/office/powerpoint/2010/main" val="687394672"/>
               </p:ext>
             </p:extLst>
           </p:nvPr>
@@ -7733,77 +7817,77 @@
                 <a:gridCol w="769431">
                   <a:extLst>
                     <a:ext uri="{9D8B030D-6E8A-4147-A177-3AD203B41FA5}">
-                      <a16:colId xmlns:a16="http://schemas.microsoft.com/office/drawing/2014/main" xmlns="" val="1195640874"/>
+                      <a16:colId xmlns="" xmlns:a16="http://schemas.microsoft.com/office/drawing/2014/main" val="1195640874"/>
                     </a:ext>
                   </a:extLst>
                 </a:gridCol>
                 <a:gridCol w="208280">
                   <a:extLst>
                     <a:ext uri="{9D8B030D-6E8A-4147-A177-3AD203B41FA5}">
-                      <a16:colId xmlns:a16="http://schemas.microsoft.com/office/drawing/2014/main" xmlns="" val="2077535557"/>
+                      <a16:colId xmlns="" xmlns:a16="http://schemas.microsoft.com/office/drawing/2014/main" val="2077535557"/>
                     </a:ext>
                   </a:extLst>
                 </a:gridCol>
                 <a:gridCol w="1107204">
                   <a:extLst>
                     <a:ext uri="{9D8B030D-6E8A-4147-A177-3AD203B41FA5}">
-                      <a16:colId xmlns:a16="http://schemas.microsoft.com/office/drawing/2014/main" xmlns="" val="1474388230"/>
+                      <a16:colId xmlns="" xmlns:a16="http://schemas.microsoft.com/office/drawing/2014/main" val="1474388230"/>
                     </a:ext>
                   </a:extLst>
                 </a:gridCol>
                 <a:gridCol w="1004420">
                   <a:extLst>
                     <a:ext uri="{9D8B030D-6E8A-4147-A177-3AD203B41FA5}">
-                      <a16:colId xmlns:a16="http://schemas.microsoft.com/office/drawing/2014/main" xmlns="" val="3778477250"/>
+                      <a16:colId xmlns="" xmlns:a16="http://schemas.microsoft.com/office/drawing/2014/main" val="3778477250"/>
                     </a:ext>
                   </a:extLst>
                 </a:gridCol>
                 <a:gridCol w="769431">
                   <a:extLst>
                     <a:ext uri="{9D8B030D-6E8A-4147-A177-3AD203B41FA5}">
-                      <a16:colId xmlns:a16="http://schemas.microsoft.com/office/drawing/2014/main" xmlns="" val="2727106529"/>
+                      <a16:colId xmlns="" xmlns:a16="http://schemas.microsoft.com/office/drawing/2014/main" val="2727106529"/>
                     </a:ext>
                   </a:extLst>
                 </a:gridCol>
                 <a:gridCol w="769431">
                   <a:extLst>
                     <a:ext uri="{9D8B030D-6E8A-4147-A177-3AD203B41FA5}">
-                      <a16:colId xmlns:a16="http://schemas.microsoft.com/office/drawing/2014/main" xmlns="" val="3907240979"/>
+                      <a16:colId xmlns="" xmlns:a16="http://schemas.microsoft.com/office/drawing/2014/main" val="3907240979"/>
                     </a:ext>
                   </a:extLst>
                 </a:gridCol>
                 <a:gridCol w="208280">
                   <a:extLst>
                     <a:ext uri="{9D8B030D-6E8A-4147-A177-3AD203B41FA5}">
-                      <a16:colId xmlns:a16="http://schemas.microsoft.com/office/drawing/2014/main" xmlns="" val="3098743955"/>
+                      <a16:colId xmlns="" xmlns:a16="http://schemas.microsoft.com/office/drawing/2014/main" val="3098743955"/>
                     </a:ext>
                   </a:extLst>
                 </a:gridCol>
                 <a:gridCol w="913818">
                   <a:extLst>
                     <a:ext uri="{9D8B030D-6E8A-4147-A177-3AD203B41FA5}">
-                      <a16:colId xmlns:a16="http://schemas.microsoft.com/office/drawing/2014/main" xmlns="" val="754170348"/>
+                      <a16:colId xmlns="" xmlns:a16="http://schemas.microsoft.com/office/drawing/2014/main" val="754170348"/>
                     </a:ext>
                   </a:extLst>
                 </a:gridCol>
                 <a:gridCol w="1215685">
                   <a:extLst>
                     <a:ext uri="{9D8B030D-6E8A-4147-A177-3AD203B41FA5}">
-                      <a16:colId xmlns:a16="http://schemas.microsoft.com/office/drawing/2014/main" xmlns="" val="984468234"/>
+                      <a16:colId xmlns="" xmlns:a16="http://schemas.microsoft.com/office/drawing/2014/main" val="984468234"/>
                     </a:ext>
                   </a:extLst>
                 </a:gridCol>
                 <a:gridCol w="769431">
                   <a:extLst>
                     <a:ext uri="{9D8B030D-6E8A-4147-A177-3AD203B41FA5}">
-                      <a16:colId xmlns:a16="http://schemas.microsoft.com/office/drawing/2014/main" xmlns="" val="3990745486"/>
+                      <a16:colId xmlns="" xmlns:a16="http://schemas.microsoft.com/office/drawing/2014/main" val="3990745486"/>
                     </a:ext>
                   </a:extLst>
                 </a:gridCol>
                 <a:gridCol w="769431">
                   <a:extLst>
                     <a:ext uri="{9D8B030D-6E8A-4147-A177-3AD203B41FA5}">
-                      <a16:colId xmlns:a16="http://schemas.microsoft.com/office/drawing/2014/main" xmlns="" val="4029988987"/>
+                      <a16:colId xmlns="" xmlns:a16="http://schemas.microsoft.com/office/drawing/2014/main" val="4029988987"/>
                     </a:ext>
                   </a:extLst>
                 </a:gridCol>
@@ -7944,7 +8028,7 @@
                 </a:tc>
                 <a:extLst>
                   <a:ext uri="{0D108BD9-81ED-4DB2-BD59-A6C34878D82A}">
-                    <a16:rowId xmlns:a16="http://schemas.microsoft.com/office/drawing/2014/main" xmlns="" val="3054627294"/>
+                    <a16:rowId xmlns="" xmlns:a16="http://schemas.microsoft.com/office/drawing/2014/main" val="3054627294"/>
                   </a:ext>
                 </a:extLst>
               </a:tr>
@@ -8100,30 +8184,32 @@
                     <a:p>
                       <a:pPr algn="ctr"/>
                       <a:r>
-                        <a:rPr lang="en-US" sz="1200" b="1" dirty="0"/>
+                        <a:rPr lang="en-US" sz="1200" b="1" dirty="0" smtClean="0"/>
+                        <a:t>Green</a:t>
+                      </a:r>
+                      <a:endParaRPr lang="en-US" sz="1200" b="1" dirty="0"/>
+                    </a:p>
+                  </a:txBody>
+                  <a:tcPr/>
+                </a:tc>
+                <a:tc>
+                  <a:txBody>
+                    <a:bodyPr/>
+                    <a:lstStyle/>
+                    <a:p>
+                      <a:pPr algn="ctr"/>
+                      <a:r>
+                        <a:rPr lang="en-US" sz="1200" b="1" dirty="0" smtClean="0"/>
                         <a:t>Blue</a:t>
                       </a:r>
-                    </a:p>
-                  </a:txBody>
-                  <a:tcPr/>
-                </a:tc>
-                <a:tc>
-                  <a:txBody>
-                    <a:bodyPr/>
-                    <a:lstStyle/>
-                    <a:p>
-                      <a:pPr algn="ctr"/>
-                      <a:r>
-                        <a:rPr lang="en-US" sz="1200" b="1" dirty="0"/>
-                        <a:t>Green</a:t>
-                      </a:r>
+                      <a:endParaRPr lang="en-US" sz="1200" b="1" dirty="0"/>
                     </a:p>
                   </a:txBody>
                   <a:tcPr/>
                 </a:tc>
                 <a:extLst>
                   <a:ext uri="{0D108BD9-81ED-4DB2-BD59-A6C34878D82A}">
-                    <a16:rowId xmlns:a16="http://schemas.microsoft.com/office/drawing/2014/main" xmlns="" val="330425122"/>
+                    <a16:rowId xmlns="" xmlns:a16="http://schemas.microsoft.com/office/drawing/2014/main" val="330425122"/>
                   </a:ext>
                 </a:extLst>
               </a:tr>
@@ -8286,7 +8372,7 @@
                 </a:tc>
                 <a:extLst>
                   <a:ext uri="{0D108BD9-81ED-4DB2-BD59-A6C34878D82A}">
-                    <a16:rowId xmlns:a16="http://schemas.microsoft.com/office/drawing/2014/main" xmlns="" val="3150339674"/>
+                    <a16:rowId xmlns="" xmlns:a16="http://schemas.microsoft.com/office/drawing/2014/main" val="3150339674"/>
                   </a:ext>
                 </a:extLst>
               </a:tr>
@@ -8449,7 +8535,7 @@
                 </a:tc>
                 <a:extLst>
                   <a:ext uri="{0D108BD9-81ED-4DB2-BD59-A6C34878D82A}">
-                    <a16:rowId xmlns:a16="http://schemas.microsoft.com/office/drawing/2014/main" xmlns="" val="294082209"/>
+                    <a16:rowId xmlns="" xmlns:a16="http://schemas.microsoft.com/office/drawing/2014/main" val="294082209"/>
                   </a:ext>
                 </a:extLst>
               </a:tr>
@@ -8612,7 +8698,7 @@
                 </a:tc>
                 <a:extLst>
                   <a:ext uri="{0D108BD9-81ED-4DB2-BD59-A6C34878D82A}">
-                    <a16:rowId xmlns:a16="http://schemas.microsoft.com/office/drawing/2014/main" xmlns="" val="2911293164"/>
+                    <a16:rowId xmlns="" xmlns:a16="http://schemas.microsoft.com/office/drawing/2014/main" val="2911293164"/>
                   </a:ext>
                 </a:extLst>
               </a:tr>
@@ -8775,7 +8861,7 @@
                 </a:tc>
                 <a:extLst>
                   <a:ext uri="{0D108BD9-81ED-4DB2-BD59-A6C34878D82A}">
-                    <a16:rowId xmlns:a16="http://schemas.microsoft.com/office/drawing/2014/main" xmlns="" val="2071312800"/>
+                    <a16:rowId xmlns="" xmlns:a16="http://schemas.microsoft.com/office/drawing/2014/main" val="2071312800"/>
                   </a:ext>
                 </a:extLst>
               </a:tr>
@@ -8938,7 +9024,7 @@
                 </a:tc>
                 <a:extLst>
                   <a:ext uri="{0D108BD9-81ED-4DB2-BD59-A6C34878D82A}">
-                    <a16:rowId xmlns:a16="http://schemas.microsoft.com/office/drawing/2014/main" xmlns="" val="1239686371"/>
+                    <a16:rowId xmlns="" xmlns:a16="http://schemas.microsoft.com/office/drawing/2014/main" val="1239686371"/>
                   </a:ext>
                 </a:extLst>
               </a:tr>
@@ -9101,7 +9187,7 @@
                 </a:tc>
                 <a:extLst>
                   <a:ext uri="{0D108BD9-81ED-4DB2-BD59-A6C34878D82A}">
-                    <a16:rowId xmlns:a16="http://schemas.microsoft.com/office/drawing/2014/main" xmlns="" val="938593460"/>
+                    <a16:rowId xmlns="" xmlns:a16="http://schemas.microsoft.com/office/drawing/2014/main" val="938593460"/>
                   </a:ext>
                 </a:extLst>
               </a:tr>
@@ -9264,7 +9350,7 @@
                 </a:tc>
                 <a:extLst>
                   <a:ext uri="{0D108BD9-81ED-4DB2-BD59-A6C34878D82A}">
-                    <a16:rowId xmlns:a16="http://schemas.microsoft.com/office/drawing/2014/main" xmlns="" val="3494003650"/>
+                    <a16:rowId xmlns="" xmlns:a16="http://schemas.microsoft.com/office/drawing/2014/main" val="3494003650"/>
                   </a:ext>
                 </a:extLst>
               </a:tr>
@@ -9425,8 +9511,8 @@
           <a:lstStyle/>
           <a:p>
             <a:r>
-              <a:rPr lang="sk-SK" dirty="0"/>
-              <a:t>© 2016 EV3Lessons.com, Last Edit 7/04/2016</a:t>
+              <a:rPr lang="sk-SK" smtClean="0"/>
+              <a:t>© 2017 EV3Lessons.com, Last Edit 4/04/2017</a:t>
             </a:r>
             <a:endParaRPr lang="en-US" dirty="0"/>
           </a:p>
@@ -9464,7 +9550,7 @@
           <p:nvPr>
             <p:extLst>
               <p:ext uri="{D42A27DB-BD31-4B8C-83A1-F6EECF244321}">
-                <p14:modId xmlns:p14="http://schemas.microsoft.com/office/powerpoint/2010/main" val="3875205590"/>
+                <p14:modId xmlns:p14="http://schemas.microsoft.com/office/powerpoint/2010/main" val="1049336535"/>
               </p:ext>
             </p:extLst>
           </p:nvPr>
@@ -9483,77 +9569,77 @@
                 <a:gridCol w="760832">
                   <a:extLst>
                     <a:ext uri="{9D8B030D-6E8A-4147-A177-3AD203B41FA5}">
-                      <a16:colId xmlns:a16="http://schemas.microsoft.com/office/drawing/2014/main" xmlns="" val="1195640874"/>
+                      <a16:colId xmlns="" xmlns:a16="http://schemas.microsoft.com/office/drawing/2014/main" val="1195640874"/>
                     </a:ext>
                   </a:extLst>
                 </a:gridCol>
                 <a:gridCol w="208280">
                   <a:extLst>
                     <a:ext uri="{9D8B030D-6E8A-4147-A177-3AD203B41FA5}">
-                      <a16:colId xmlns:a16="http://schemas.microsoft.com/office/drawing/2014/main" xmlns="" val="2077535557"/>
+                      <a16:colId xmlns="" xmlns:a16="http://schemas.microsoft.com/office/drawing/2014/main" val="2077535557"/>
                     </a:ext>
                   </a:extLst>
                 </a:gridCol>
                 <a:gridCol w="1080834">
                   <a:extLst>
                     <a:ext uri="{9D8B030D-6E8A-4147-A177-3AD203B41FA5}">
-                      <a16:colId xmlns:a16="http://schemas.microsoft.com/office/drawing/2014/main" xmlns="" val="1474388230"/>
+                      <a16:colId xmlns="" xmlns:a16="http://schemas.microsoft.com/office/drawing/2014/main" val="1474388230"/>
                     </a:ext>
                   </a:extLst>
                 </a:gridCol>
                 <a:gridCol w="1007192">
                   <a:extLst>
                     <a:ext uri="{9D8B030D-6E8A-4147-A177-3AD203B41FA5}">
-                      <a16:colId xmlns:a16="http://schemas.microsoft.com/office/drawing/2014/main" xmlns="" val="3778477250"/>
+                      <a16:colId xmlns="" xmlns:a16="http://schemas.microsoft.com/office/drawing/2014/main" val="3778477250"/>
                     </a:ext>
                   </a:extLst>
                 </a:gridCol>
                 <a:gridCol w="760832">
                   <a:extLst>
                     <a:ext uri="{9D8B030D-6E8A-4147-A177-3AD203B41FA5}">
-                      <a16:colId xmlns:a16="http://schemas.microsoft.com/office/drawing/2014/main" xmlns="" val="2727106529"/>
+                      <a16:colId xmlns="" xmlns:a16="http://schemas.microsoft.com/office/drawing/2014/main" val="2727106529"/>
                     </a:ext>
                   </a:extLst>
                 </a:gridCol>
                 <a:gridCol w="760832">
                   <a:extLst>
                     <a:ext uri="{9D8B030D-6E8A-4147-A177-3AD203B41FA5}">
-                      <a16:colId xmlns:a16="http://schemas.microsoft.com/office/drawing/2014/main" xmlns="" val="3907240979"/>
+                      <a16:colId xmlns="" xmlns:a16="http://schemas.microsoft.com/office/drawing/2014/main" val="3907240979"/>
                     </a:ext>
                   </a:extLst>
                 </a:gridCol>
                 <a:gridCol w="208280">
                   <a:extLst>
                     <a:ext uri="{9D8B030D-6E8A-4147-A177-3AD203B41FA5}">
-                      <a16:colId xmlns:a16="http://schemas.microsoft.com/office/drawing/2014/main" xmlns="" val="3098743955"/>
+                      <a16:colId xmlns="" xmlns:a16="http://schemas.microsoft.com/office/drawing/2014/main" val="3098743955"/>
                     </a:ext>
                   </a:extLst>
                 </a:gridCol>
                 <a:gridCol w="1167659">
                   <a:extLst>
                     <a:ext uri="{9D8B030D-6E8A-4147-A177-3AD203B41FA5}">
-                      <a16:colId xmlns:a16="http://schemas.microsoft.com/office/drawing/2014/main" xmlns="" val="754170348"/>
+                      <a16:colId xmlns="" xmlns:a16="http://schemas.microsoft.com/office/drawing/2014/main" val="754170348"/>
                     </a:ext>
                   </a:extLst>
                 </a:gridCol>
                 <a:gridCol w="938046">
                   <a:extLst>
                     <a:ext uri="{9D8B030D-6E8A-4147-A177-3AD203B41FA5}">
-                      <a16:colId xmlns:a16="http://schemas.microsoft.com/office/drawing/2014/main" xmlns="" val="984468234"/>
+                      <a16:colId xmlns="" xmlns:a16="http://schemas.microsoft.com/office/drawing/2014/main" val="984468234"/>
                     </a:ext>
                   </a:extLst>
                 </a:gridCol>
                 <a:gridCol w="760832">
                   <a:extLst>
                     <a:ext uri="{9D8B030D-6E8A-4147-A177-3AD203B41FA5}">
-                      <a16:colId xmlns:a16="http://schemas.microsoft.com/office/drawing/2014/main" xmlns="" val="3990745486"/>
+                      <a16:colId xmlns="" xmlns:a16="http://schemas.microsoft.com/office/drawing/2014/main" val="3990745486"/>
                     </a:ext>
                   </a:extLst>
                 </a:gridCol>
                 <a:gridCol w="760832">
                   <a:extLst>
                     <a:ext uri="{9D8B030D-6E8A-4147-A177-3AD203B41FA5}">
-                      <a16:colId xmlns:a16="http://schemas.microsoft.com/office/drawing/2014/main" xmlns="" val="4029988987"/>
+                      <a16:colId xmlns="" xmlns:a16="http://schemas.microsoft.com/office/drawing/2014/main" val="4029988987"/>
                     </a:ext>
                   </a:extLst>
                 </a:gridCol>
@@ -9694,7 +9780,7 @@
                 </a:tc>
                 <a:extLst>
                   <a:ext uri="{0D108BD9-81ED-4DB2-BD59-A6C34878D82A}">
-                    <a16:rowId xmlns:a16="http://schemas.microsoft.com/office/drawing/2014/main" xmlns="" val="3054627294"/>
+                    <a16:rowId xmlns="" xmlns:a16="http://schemas.microsoft.com/office/drawing/2014/main" val="3054627294"/>
                   </a:ext>
                 </a:extLst>
               </a:tr>
@@ -9850,30 +9936,32 @@
                     <a:p>
                       <a:pPr algn="ctr"/>
                       <a:r>
-                        <a:rPr lang="en-US" sz="1200" b="1" dirty="0"/>
+                        <a:rPr lang="en-US" sz="1200" b="1" dirty="0" smtClean="0"/>
+                        <a:t>Green</a:t>
+                      </a:r>
+                      <a:endParaRPr lang="en-US" sz="1200" b="1" dirty="0"/>
+                    </a:p>
+                  </a:txBody>
+                  <a:tcPr/>
+                </a:tc>
+                <a:tc>
+                  <a:txBody>
+                    <a:bodyPr/>
+                    <a:lstStyle/>
+                    <a:p>
+                      <a:pPr algn="ctr"/>
+                      <a:r>
+                        <a:rPr lang="en-US" sz="1200" b="1" smtClean="0"/>
                         <a:t>Blue</a:t>
                       </a:r>
-                    </a:p>
-                  </a:txBody>
-                  <a:tcPr/>
-                </a:tc>
-                <a:tc>
-                  <a:txBody>
-                    <a:bodyPr/>
-                    <a:lstStyle/>
-                    <a:p>
-                      <a:pPr algn="ctr"/>
-                      <a:r>
-                        <a:rPr lang="en-US" sz="1200" b="1" dirty="0"/>
-                        <a:t>Green</a:t>
-                      </a:r>
+                      <a:endParaRPr lang="en-US" sz="1200" b="1" dirty="0"/>
                     </a:p>
                   </a:txBody>
                   <a:tcPr/>
                 </a:tc>
                 <a:extLst>
                   <a:ext uri="{0D108BD9-81ED-4DB2-BD59-A6C34878D82A}">
-                    <a16:rowId xmlns:a16="http://schemas.microsoft.com/office/drawing/2014/main" xmlns="" val="330425122"/>
+                    <a16:rowId xmlns="" xmlns:a16="http://schemas.microsoft.com/office/drawing/2014/main" val="330425122"/>
                   </a:ext>
                 </a:extLst>
               </a:tr>
@@ -10036,7 +10124,7 @@
                 </a:tc>
                 <a:extLst>
                   <a:ext uri="{0D108BD9-81ED-4DB2-BD59-A6C34878D82A}">
-                    <a16:rowId xmlns:a16="http://schemas.microsoft.com/office/drawing/2014/main" xmlns="" val="3150339674"/>
+                    <a16:rowId xmlns="" xmlns:a16="http://schemas.microsoft.com/office/drawing/2014/main" val="3150339674"/>
                   </a:ext>
                 </a:extLst>
               </a:tr>
@@ -10199,7 +10287,7 @@
                 </a:tc>
                 <a:extLst>
                   <a:ext uri="{0D108BD9-81ED-4DB2-BD59-A6C34878D82A}">
-                    <a16:rowId xmlns:a16="http://schemas.microsoft.com/office/drawing/2014/main" xmlns="" val="294082209"/>
+                    <a16:rowId xmlns="" xmlns:a16="http://schemas.microsoft.com/office/drawing/2014/main" val="294082209"/>
                   </a:ext>
                 </a:extLst>
               </a:tr>
@@ -10362,7 +10450,7 @@
                 </a:tc>
                 <a:extLst>
                   <a:ext uri="{0D108BD9-81ED-4DB2-BD59-A6C34878D82A}">
-                    <a16:rowId xmlns:a16="http://schemas.microsoft.com/office/drawing/2014/main" xmlns="" val="2911293164"/>
+                    <a16:rowId xmlns="" xmlns:a16="http://schemas.microsoft.com/office/drawing/2014/main" val="2911293164"/>
                   </a:ext>
                 </a:extLst>
               </a:tr>
@@ -10525,7 +10613,7 @@
                 </a:tc>
                 <a:extLst>
                   <a:ext uri="{0D108BD9-81ED-4DB2-BD59-A6C34878D82A}">
-                    <a16:rowId xmlns:a16="http://schemas.microsoft.com/office/drawing/2014/main" xmlns="" val="2071312800"/>
+                    <a16:rowId xmlns="" xmlns:a16="http://schemas.microsoft.com/office/drawing/2014/main" val="2071312800"/>
                   </a:ext>
                 </a:extLst>
               </a:tr>
@@ -10688,7 +10776,7 @@
                 </a:tc>
                 <a:extLst>
                   <a:ext uri="{0D108BD9-81ED-4DB2-BD59-A6C34878D82A}">
-                    <a16:rowId xmlns:a16="http://schemas.microsoft.com/office/drawing/2014/main" xmlns="" val="1239686371"/>
+                    <a16:rowId xmlns="" xmlns:a16="http://schemas.microsoft.com/office/drawing/2014/main" val="1239686371"/>
                   </a:ext>
                 </a:extLst>
               </a:tr>
@@ -10851,7 +10939,7 @@
                 </a:tc>
                 <a:extLst>
                   <a:ext uri="{0D108BD9-81ED-4DB2-BD59-A6C34878D82A}">
-                    <a16:rowId xmlns:a16="http://schemas.microsoft.com/office/drawing/2014/main" xmlns="" val="938593460"/>
+                    <a16:rowId xmlns="" xmlns:a16="http://schemas.microsoft.com/office/drawing/2014/main" val="938593460"/>
                   </a:ext>
                 </a:extLst>
               </a:tr>
@@ -11014,7 +11102,7 @@
                 </a:tc>
                 <a:extLst>
                   <a:ext uri="{0D108BD9-81ED-4DB2-BD59-A6C34878D82A}">
-                    <a16:rowId xmlns:a16="http://schemas.microsoft.com/office/drawing/2014/main" xmlns="" val="3494003650"/>
+                    <a16:rowId xmlns="" xmlns:a16="http://schemas.microsoft.com/office/drawing/2014/main" val="3494003650"/>
                   </a:ext>
                 </a:extLst>
               </a:tr>
@@ -11031,7 +11119,7 @@
           <p:nvPr/>
         </p:nvPicPr>
         <p:blipFill>
-          <a:blip r:embed="rId2"/>
+          <a:blip r:embed="rId3"/>
           <a:stretch>
             <a:fillRect/>
           </a:stretch>
@@ -11055,7 +11143,7 @@
           <p:nvPr/>
         </p:nvPicPr>
         <p:blipFill>
-          <a:blip r:embed="rId3" cstate="print">
+          <a:blip r:embed="rId4" cstate="print">
             <a:extLst>
               <a:ext uri="{28A0092B-C50C-407E-A947-70E740481C1C}">
                 <a14:useLocalDpi xmlns:a14="http://schemas.microsoft.com/office/drawing/2010/main"/>
